--- a/Meeting-05/Bootstrap Lab 3.pptx
+++ b/Meeting-05/Bootstrap Lab 3.pptx
@@ -737,7 +737,7 @@
             <a:fld id="{A1C75A3A-FFC9-496D-9971-903CC23E4870}" type="datetimeFigureOut">
               <a:rPr lang="zh-TW" altLang="en-US" smtClean="0"/>
               <a:pPr/>
-              <a:t>2015/7/29</a:t>
+              <a:t>2015/7/31</a:t>
             </a:fld>
             <a:endParaRPr lang="zh-TW" altLang="en-US"/>
           </a:p>
@@ -935,7 +935,7 @@
             <a:fld id="{A1C75A3A-FFC9-496D-9971-903CC23E4870}" type="datetimeFigureOut">
               <a:rPr lang="zh-TW" altLang="en-US" smtClean="0"/>
               <a:pPr/>
-              <a:t>2015/7/29</a:t>
+              <a:t>2015/7/31</a:t>
             </a:fld>
             <a:endParaRPr lang="zh-TW" altLang="en-US"/>
           </a:p>
@@ -1122,7 +1122,7 @@
             <a:fld id="{A1C75A3A-FFC9-496D-9971-903CC23E4870}" type="datetimeFigureOut">
               <a:rPr lang="zh-TW" altLang="en-US" smtClean="0"/>
               <a:pPr/>
-              <a:t>2015/7/29</a:t>
+              <a:t>2015/7/31</a:t>
             </a:fld>
             <a:endParaRPr lang="zh-TW" altLang="en-US"/>
           </a:p>
@@ -1274,7 +1274,7 @@
             <a:fld id="{A1C75A3A-FFC9-496D-9971-903CC23E4870}" type="datetimeFigureOut">
               <a:rPr lang="zh-TW" altLang="en-US" smtClean="0"/>
               <a:pPr/>
-              <a:t>2015/7/29</a:t>
+              <a:t>2015/7/31</a:t>
             </a:fld>
             <a:endParaRPr lang="zh-TW" altLang="en-US"/>
           </a:p>
@@ -1531,7 +1531,7 @@
             <a:fld id="{A1C75A3A-FFC9-496D-9971-903CC23E4870}" type="datetimeFigureOut">
               <a:rPr lang="zh-TW" altLang="en-US" smtClean="0"/>
               <a:pPr/>
-              <a:t>2015/7/29</a:t>
+              <a:t>2015/7/31</a:t>
             </a:fld>
             <a:endParaRPr lang="zh-TW" altLang="en-US"/>
           </a:p>
@@ -1942,7 +1942,7 @@
             <a:fld id="{A1C75A3A-FFC9-496D-9971-903CC23E4870}" type="datetimeFigureOut">
               <a:rPr lang="zh-TW" altLang="en-US" smtClean="0"/>
               <a:pPr/>
-              <a:t>2015/7/29</a:t>
+              <a:t>2015/7/31</a:t>
             </a:fld>
             <a:endParaRPr lang="zh-TW" altLang="en-US"/>
           </a:p>
@@ -2390,7 +2390,7 @@
             <a:fld id="{A1C75A3A-FFC9-496D-9971-903CC23E4870}" type="datetimeFigureOut">
               <a:rPr lang="zh-TW" altLang="en-US" smtClean="0"/>
               <a:pPr/>
-              <a:t>2015/7/29</a:t>
+              <a:t>2015/7/31</a:t>
             </a:fld>
             <a:endParaRPr lang="zh-TW" altLang="en-US"/>
           </a:p>
@@ -2493,7 +2493,7 @@
             <a:fld id="{A1C75A3A-FFC9-496D-9971-903CC23E4870}" type="datetimeFigureOut">
               <a:rPr lang="zh-TW" altLang="en-US" smtClean="0"/>
               <a:pPr/>
-              <a:t>2015/7/29</a:t>
+              <a:t>2015/7/31</a:t>
             </a:fld>
             <a:endParaRPr lang="zh-TW" altLang="en-US"/>
           </a:p>
@@ -2616,7 +2616,7 @@
             <a:fld id="{A1C75A3A-FFC9-496D-9971-903CC23E4870}" type="datetimeFigureOut">
               <a:rPr lang="zh-TW" altLang="en-US" smtClean="0"/>
               <a:pPr/>
-              <a:t>2015/7/29</a:t>
+              <a:t>2015/7/31</a:t>
             </a:fld>
             <a:endParaRPr lang="zh-TW" altLang="en-US"/>
           </a:p>
@@ -2892,7 +2892,7 @@
             <a:fld id="{A1C75A3A-FFC9-496D-9971-903CC23E4870}" type="datetimeFigureOut">
               <a:rPr lang="zh-TW" altLang="en-US" smtClean="0"/>
               <a:pPr/>
-              <a:t>2015/7/29</a:t>
+              <a:t>2015/7/31</a:t>
             </a:fld>
             <a:endParaRPr lang="zh-TW" altLang="en-US"/>
           </a:p>
@@ -3099,7 +3099,7 @@
             <a:fld id="{A1C75A3A-FFC9-496D-9971-903CC23E4870}" type="datetimeFigureOut">
               <a:rPr lang="zh-TW" altLang="en-US" smtClean="0"/>
               <a:pPr/>
-              <a:t>2015/7/29</a:t>
+              <a:t>2015/7/31</a:t>
             </a:fld>
             <a:endParaRPr lang="zh-TW" altLang="en-US"/>
           </a:p>
@@ -4210,7 +4210,7 @@
             <a:fld id="{A1C75A3A-FFC9-496D-9971-903CC23E4870}" type="datetimeFigureOut">
               <a:rPr lang="zh-TW" altLang="en-US" smtClean="0"/>
               <a:pPr/>
-              <a:t>2015/7/29</a:t>
+              <a:t>2015/7/31</a:t>
             </a:fld>
             <a:endParaRPr lang="zh-TW" altLang="en-US"/>
           </a:p>
@@ -4637,15 +4637,7 @@
           <a:p>
             <a:r>
               <a:rPr lang="en-US" altLang="zh-TW" dirty="0" smtClean="0"/>
-              <a:t>Bootstrap Lab </a:t>
-            </a:r>
-            <a:r>
-              <a:rPr lang="en-US" altLang="zh-TW" dirty="0" smtClean="0"/>
-              <a:t>3</a:t>
-            </a:r>
-            <a:r>
-              <a:rPr lang="en-US" altLang="zh-TW" dirty="0" smtClean="0"/>
-              <a:t/>
+              <a:t>Bootstrap Lab 3</a:t>
             </a:r>
             <a:br>
               <a:rPr lang="en-US" altLang="zh-TW" dirty="0" smtClean="0"/>
@@ -5069,9 +5061,58 @@
             </a:r>
             <a:r>
               <a:rPr lang="en-US" altLang="zh-TW" dirty="0" smtClean="0"/>
-              <a:t>brand image</a:t>
-            </a:r>
-            <a:endParaRPr lang="zh-TW" altLang="en-US" dirty="0"/>
+              <a:t>brand </a:t>
+            </a:r>
+            <a:r>
+              <a:rPr lang="en-US" altLang="zh-TW" dirty="0" smtClean="0"/>
+              <a:t>image</a:t>
+            </a:r>
+            <a:r>
+              <a:rPr lang="en-US" altLang="zh-TW" dirty="0" smtClean="0"/>
+              <a:t> </a:t>
+            </a:r>
+            <a:r>
+              <a:rPr lang="zh-TW" altLang="en-US" dirty="0" smtClean="0"/>
+              <a:t>換成 </a:t>
+            </a:r>
+            <a:r>
+              <a:rPr lang="en-US" altLang="zh-TW" dirty="0" smtClean="0"/>
+              <a:t>Logo</a:t>
+            </a:r>
+          </a:p>
+          <a:p>
+            <a:r>
+              <a:rPr lang="zh-TW" altLang="en-US" dirty="0" smtClean="0"/>
+              <a:t>透過 </a:t>
+            </a:r>
+            <a:r>
+              <a:rPr lang="en-US" altLang="zh-TW" dirty="0" smtClean="0"/>
+              <a:t>CSS </a:t>
+            </a:r>
+            <a:r>
+              <a:rPr lang="zh-TW" altLang="en-US" dirty="0" smtClean="0"/>
+              <a:t>改變 </a:t>
+            </a:r>
+            <a:r>
+              <a:rPr lang="en-US" altLang="zh-TW" dirty="0" smtClean="0"/>
+              <a:t>brand image </a:t>
+            </a:r>
+            <a:r>
+              <a:rPr lang="zh-TW" altLang="en-US" dirty="0" smtClean="0"/>
+              <a:t>大小</a:t>
+            </a:r>
+            <a:endParaRPr lang="en-US" altLang="zh-TW" dirty="0" smtClean="0"/>
+          </a:p>
+          <a:p>
+            <a:r>
+              <a:rPr lang="en-US" altLang="zh-TW" dirty="0" smtClean="0"/>
+              <a:t>Logo </a:t>
+            </a:r>
+            <a:r>
+              <a:rPr lang="zh-TW" altLang="en-US" dirty="0" smtClean="0"/>
+              <a:t>週圍留空白</a:t>
+            </a:r>
+            <a:endParaRPr lang="en-US" altLang="zh-TW" dirty="0"/>
           </a:p>
         </p:txBody>
       </p:sp>
@@ -5096,11 +5137,7 @@
             </a:r>
             <a:r>
               <a:rPr lang="en-US" altLang="zh-TW" dirty="0" smtClean="0"/>
-              <a:t> Customized </a:t>
-            </a:r>
-            <a:r>
-              <a:rPr lang="en-US" altLang="zh-TW" dirty="0" smtClean="0"/>
-              <a:t>(2)</a:t>
+              <a:t> Customized (2)</a:t>
             </a:r>
             <a:endParaRPr lang="zh-TW" altLang="en-US" dirty="0"/>
           </a:p>
@@ -5146,7 +5183,11 @@
           <a:bodyPr/>
           <a:lstStyle/>
           <a:p>
-            <a:endParaRPr lang="zh-TW" altLang="en-US"/>
+            <a:r>
+              <a:rPr lang="en-US" altLang="zh-TW" dirty="0" smtClean="0"/>
+              <a:t>&lt;span class="badge"&gt;3&lt;/span&gt;&lt;/a&gt;</a:t>
+            </a:r>
+            <a:endParaRPr lang="zh-TW" altLang="en-US" dirty="0"/>
           </a:p>
         </p:txBody>
       </p:sp>
